--- a/APLIKASI PEMBELIAN TIKET.pptx
+++ b/APLIKASI PEMBELIAN TIKET.pptx
@@ -497,7 +497,7 @@
             <a:fld id="{D0AD3644-6455-47F4-873E-A42A303A7877}" type="datetimeFigureOut">
               <a:rPr lang="en-GB" smtClean="0"/>
               <a:pPr/>
-              <a:t>20/04/2019</a:t>
+              <a:t>22/04/2019</a:t>
             </a:fld>
             <a:endParaRPr lang="en-GB"/>
           </a:p>
@@ -664,7 +664,7 @@
             <a:fld id="{D0AD3644-6455-47F4-873E-A42A303A7877}" type="datetimeFigureOut">
               <a:rPr lang="en-GB" smtClean="0"/>
               <a:pPr/>
-              <a:t>20/04/2019</a:t>
+              <a:t>22/04/2019</a:t>
             </a:fld>
             <a:endParaRPr lang="en-GB"/>
           </a:p>
@@ -841,7 +841,7 @@
             <a:fld id="{D0AD3644-6455-47F4-873E-A42A303A7877}" type="datetimeFigureOut">
               <a:rPr lang="en-GB" smtClean="0"/>
               <a:pPr/>
-              <a:t>20/04/2019</a:t>
+              <a:t>22/04/2019</a:t>
             </a:fld>
             <a:endParaRPr lang="en-GB"/>
           </a:p>
@@ -1012,7 +1012,7 @@
             <a:fld id="{D0AD3644-6455-47F4-873E-A42A303A7877}" type="datetimeFigureOut">
               <a:rPr lang="en-GB" smtClean="0"/>
               <a:pPr/>
-              <a:t>20/04/2019</a:t>
+              <a:t>22/04/2019</a:t>
             </a:fld>
             <a:endParaRPr lang="en-GB"/>
           </a:p>
@@ -1469,7 +1469,7 @@
             <a:fld id="{D0AD3644-6455-47F4-873E-A42A303A7877}" type="datetimeFigureOut">
               <a:rPr lang="en-GB" smtClean="0"/>
               <a:pPr/>
-              <a:t>20/04/2019</a:t>
+              <a:t>22/04/2019</a:t>
             </a:fld>
             <a:endParaRPr lang="en-GB"/>
           </a:p>
@@ -1735,7 +1735,7 @@
             <a:fld id="{D0AD3644-6455-47F4-873E-A42A303A7877}" type="datetimeFigureOut">
               <a:rPr lang="en-GB" smtClean="0"/>
               <a:pPr/>
-              <a:t>20/04/2019</a:t>
+              <a:t>22/04/2019</a:t>
             </a:fld>
             <a:endParaRPr lang="en-GB"/>
           </a:p>
@@ -2111,7 +2111,7 @@
             <a:fld id="{D0AD3644-6455-47F4-873E-A42A303A7877}" type="datetimeFigureOut">
               <a:rPr lang="en-GB" smtClean="0"/>
               <a:pPr/>
-              <a:t>20/04/2019</a:t>
+              <a:t>22/04/2019</a:t>
             </a:fld>
             <a:endParaRPr lang="en-GB"/>
           </a:p>
@@ -2235,7 +2235,7 @@
             <a:fld id="{D0AD3644-6455-47F4-873E-A42A303A7877}" type="datetimeFigureOut">
               <a:rPr lang="en-GB" smtClean="0"/>
               <a:pPr/>
-              <a:t>20/04/2019</a:t>
+              <a:t>22/04/2019</a:t>
             </a:fld>
             <a:endParaRPr lang="en-GB"/>
           </a:p>
@@ -2327,7 +2327,7 @@
             <a:fld id="{D0AD3644-6455-47F4-873E-A42A303A7877}" type="datetimeFigureOut">
               <a:rPr lang="en-GB" smtClean="0"/>
               <a:pPr/>
-              <a:t>20/04/2019</a:t>
+              <a:t>22/04/2019</a:t>
             </a:fld>
             <a:endParaRPr lang="en-GB"/>
           </a:p>
@@ -2578,7 +2578,7 @@
             <a:fld id="{D0AD3644-6455-47F4-873E-A42A303A7877}" type="datetimeFigureOut">
               <a:rPr lang="en-GB" smtClean="0"/>
               <a:pPr/>
-              <a:t>20/04/2019</a:t>
+              <a:t>22/04/2019</a:t>
             </a:fld>
             <a:endParaRPr lang="en-GB"/>
           </a:p>
@@ -2839,7 +2839,7 @@
             <a:fld id="{D0AD3644-6455-47F4-873E-A42A303A7877}" type="datetimeFigureOut">
               <a:rPr lang="en-GB" smtClean="0"/>
               <a:pPr/>
-              <a:t>20/04/2019</a:t>
+              <a:t>22/04/2019</a:t>
             </a:fld>
             <a:endParaRPr lang="en-GB"/>
           </a:p>
@@ -3245,7 +3245,7 @@
             <a:fld id="{D0AD3644-6455-47F4-873E-A42A303A7877}" type="datetimeFigureOut">
               <a:rPr lang="en-GB" smtClean="0"/>
               <a:pPr/>
-              <a:t>20/04/2019</a:t>
+              <a:t>22/04/2019</a:t>
             </a:fld>
             <a:endParaRPr lang="en-GB"/>
           </a:p>
@@ -4518,7 +4518,7 @@
         </p:spPr>
         <p:txBody>
           <a:bodyPr>
-            <a:normAutofit lnSpcReduction="10000"/>
+            <a:normAutofit fontScale="85000" lnSpcReduction="20000"/>
           </a:bodyPr>
           <a:lstStyle/>
           <a:p>
@@ -4530,128 +4530,416 @@
               <a:t>	</a:t>
             </a:r>
             <a:r>
-              <a:rPr lang="en-GB" dirty="0" smtClean="0"/>
-              <a:t>Program </a:t>
-            </a:r>
-            <a:r>
-              <a:rPr lang="en-GB" dirty="0" err="1" smtClean="0"/>
+              <a:rPr lang="en-US" dirty="0" err="1" smtClean="0"/>
+              <a:t>Aplikasi</a:t>
+            </a:r>
+            <a:r>
+              <a:rPr lang="en-US" dirty="0" smtClean="0"/>
+              <a:t> </a:t>
+            </a:r>
+            <a:r>
+              <a:rPr lang="en-US" dirty="0" err="1" smtClean="0"/>
+              <a:t>Pembelian</a:t>
+            </a:r>
+            <a:r>
+              <a:rPr lang="en-US" dirty="0" smtClean="0"/>
+              <a:t> </a:t>
+            </a:r>
+            <a:r>
+              <a:rPr lang="en-US" dirty="0" err="1" smtClean="0"/>
+              <a:t>Tiket</a:t>
+            </a:r>
+            <a:r>
+              <a:rPr lang="en-US" dirty="0" smtClean="0"/>
+              <a:t> </a:t>
+            </a:r>
+            <a:r>
+              <a:rPr lang="en-US" dirty="0" err="1" smtClean="0"/>
+              <a:t>Bioskop</a:t>
+            </a:r>
+            <a:r>
+              <a:rPr lang="en-US" dirty="0" smtClean="0"/>
+              <a:t> </a:t>
+            </a:r>
+            <a:r>
+              <a:rPr lang="en-US" dirty="0" err="1" smtClean="0"/>
               <a:t>ini</a:t>
             </a:r>
             <a:r>
-              <a:rPr lang="en-GB" dirty="0" smtClean="0"/>
+              <a:rPr lang="en-US" dirty="0" smtClean="0"/>
               <a:t> </a:t>
             </a:r>
             <a:r>
-              <a:rPr lang="en-GB" dirty="0" err="1" smtClean="0"/>
+              <a:rPr lang="en-US" dirty="0" err="1" smtClean="0"/>
               <a:t>menggunakan</a:t>
             </a:r>
             <a:r>
-              <a:rPr lang="en-GB" dirty="0" smtClean="0"/>
+              <a:rPr lang="en-US" dirty="0" smtClean="0"/>
               <a:t> </a:t>
             </a:r>
             <a:r>
-              <a:rPr lang="en-GB" dirty="0" err="1" smtClean="0"/>
-              <a:t>b</a:t>
-            </a:r>
-            <a:r>
-              <a:rPr lang="en-GB" dirty="0" err="1" smtClean="0"/>
-              <a:t>ahasa</a:t>
-            </a:r>
-            <a:r>
-              <a:rPr lang="en-GB" dirty="0" smtClean="0"/>
+              <a:rPr lang="en-US" dirty="0" err="1" smtClean="0"/>
+              <a:t>bahasa</a:t>
+            </a:r>
+            <a:r>
+              <a:rPr lang="en-US" dirty="0" smtClean="0"/>
               <a:t> </a:t>
             </a:r>
             <a:r>
-              <a:rPr lang="en-GB" dirty="0" err="1" smtClean="0"/>
-              <a:t>p</a:t>
-            </a:r>
-            <a:r>
-              <a:rPr lang="en-GB" dirty="0" err="1" smtClean="0"/>
-              <a:t>emograman</a:t>
-            </a:r>
-            <a:r>
-              <a:rPr lang="en-GB" dirty="0" smtClean="0"/>
+              <a:rPr lang="en-US" dirty="0" err="1" smtClean="0"/>
+              <a:t>pemograman</a:t>
+            </a:r>
+            <a:r>
+              <a:rPr lang="en-US" dirty="0" smtClean="0"/>
+              <a:t> basis </a:t>
+            </a:r>
+            <a:r>
+              <a:rPr lang="en-US" i="1" dirty="0" smtClean="0"/>
+              <a:t>C++</a:t>
+            </a:r>
+            <a:r>
+              <a:rPr lang="en-US" dirty="0" smtClean="0"/>
               <a:t> </a:t>
             </a:r>
             <a:r>
-              <a:rPr lang="en-GB" i="1" dirty="0" smtClean="0"/>
-              <a:t>C++</a:t>
-            </a:r>
-            <a:r>
-              <a:rPr lang="en-GB" dirty="0" smtClean="0"/>
+              <a:rPr lang="en-US" dirty="0" err="1" smtClean="0"/>
+              <a:t>dan</a:t>
+            </a:r>
+            <a:r>
+              <a:rPr lang="en-US" dirty="0" smtClean="0"/>
               <a:t> </a:t>
             </a:r>
             <a:r>
-              <a:rPr lang="en-GB" dirty="0" err="1" smtClean="0"/>
+              <a:rPr lang="en-US" dirty="0" err="1" smtClean="0"/>
+              <a:t>menggunakan</a:t>
+            </a:r>
+            <a:r>
+              <a:rPr lang="en-US" dirty="0" smtClean="0"/>
+              <a:t> system main </a:t>
+            </a:r>
+            <a:r>
+              <a:rPr lang="en-US" dirty="0" err="1" smtClean="0"/>
+              <a:t>utama</a:t>
+            </a:r>
+            <a:r>
+              <a:rPr lang="en-US" dirty="0" smtClean="0"/>
+              <a:t> yang </a:t>
+            </a:r>
+            <a:r>
+              <a:rPr lang="en-US" dirty="0" err="1" smtClean="0"/>
+              <a:t>menampilkan</a:t>
+            </a:r>
+            <a:r>
+              <a:rPr lang="en-US" dirty="0" smtClean="0"/>
+              <a:t> menu </a:t>
+            </a:r>
+            <a:r>
+              <a:rPr lang="en-US" dirty="0" err="1" smtClean="0"/>
+              <a:t>aplikasi</a:t>
+            </a:r>
+            <a:r>
+              <a:rPr lang="en-US" dirty="0" smtClean="0"/>
+              <a:t> </a:t>
+            </a:r>
+            <a:r>
+              <a:rPr lang="en-US" dirty="0" err="1" smtClean="0"/>
+              <a:t>yaitu</a:t>
+            </a:r>
+            <a:r>
+              <a:rPr lang="en-US" dirty="0" smtClean="0"/>
+              <a:t> : </a:t>
+            </a:r>
+            <a:r>
+              <a:rPr lang="en-US" dirty="0" err="1" smtClean="0"/>
+              <a:t>daftar</a:t>
+            </a:r>
+            <a:r>
+              <a:rPr lang="en-US" dirty="0" smtClean="0"/>
+              <a:t> film, </a:t>
+            </a:r>
+            <a:r>
+              <a:rPr lang="en-US" dirty="0" err="1" smtClean="0"/>
+              <a:t>daftar</a:t>
+            </a:r>
+            <a:r>
+              <a:rPr lang="en-US" dirty="0" smtClean="0"/>
+              <a:t> </a:t>
+            </a:r>
+            <a:r>
+              <a:rPr lang="en-US" dirty="0" err="1" smtClean="0"/>
+              <a:t>harga</a:t>
+            </a:r>
+            <a:r>
+              <a:rPr lang="en-US" dirty="0" smtClean="0"/>
+              <a:t> </a:t>
+            </a:r>
+            <a:r>
+              <a:rPr lang="en-US" dirty="0" err="1" smtClean="0"/>
+              <a:t>dan</a:t>
+            </a:r>
+            <a:r>
+              <a:rPr lang="en-US" dirty="0" smtClean="0"/>
+              <a:t> </a:t>
+            </a:r>
+            <a:r>
+              <a:rPr lang="en-US" dirty="0" err="1" smtClean="0"/>
+              <a:t>pembelian</a:t>
+            </a:r>
+            <a:r>
+              <a:rPr lang="en-US" dirty="0" smtClean="0"/>
+              <a:t>. </a:t>
+            </a:r>
+            <a:r>
+              <a:rPr lang="en-US" dirty="0" err="1" smtClean="0"/>
+              <a:t>Selain</a:t>
+            </a:r>
+            <a:r>
+              <a:rPr lang="en-US" dirty="0" smtClean="0"/>
+              <a:t> </a:t>
+            </a:r>
+            <a:r>
+              <a:rPr lang="en-US" dirty="0" err="1" smtClean="0"/>
+              <a:t>itu</a:t>
+            </a:r>
+            <a:r>
+              <a:rPr lang="en-US" dirty="0" smtClean="0"/>
+              <a:t> </a:t>
+            </a:r>
+            <a:r>
+              <a:rPr lang="en-US" dirty="0" err="1" smtClean="0"/>
+              <a:t>aplikasi</a:t>
+            </a:r>
+            <a:r>
+              <a:rPr lang="en-US" dirty="0" smtClean="0"/>
+              <a:t> </a:t>
+            </a:r>
+            <a:r>
+              <a:rPr lang="en-US" dirty="0" err="1" smtClean="0"/>
+              <a:t>ini</a:t>
+            </a:r>
+            <a:r>
+              <a:rPr lang="en-US" dirty="0" smtClean="0"/>
+              <a:t> </a:t>
+            </a:r>
+            <a:r>
+              <a:rPr lang="en-US" dirty="0" err="1" smtClean="0"/>
+              <a:t>juga</a:t>
+            </a:r>
+            <a:r>
+              <a:rPr lang="en-US" dirty="0" smtClean="0"/>
+              <a:t> </a:t>
+            </a:r>
+            <a:r>
+              <a:rPr lang="en-US" dirty="0" err="1" smtClean="0"/>
+              <a:t>menerapkan</a:t>
+            </a:r>
+            <a:r>
+              <a:rPr lang="en-US" dirty="0" smtClean="0"/>
+              <a:t> system sub program </a:t>
+            </a:r>
+            <a:r>
+              <a:rPr lang="en-US" dirty="0" err="1" smtClean="0"/>
               <a:t>dengan</a:t>
             </a:r>
             <a:r>
-              <a:rPr lang="en-GB" dirty="0" smtClean="0"/>
+              <a:rPr lang="en-US" dirty="0" smtClean="0"/>
               <a:t> </a:t>
             </a:r>
             <a:r>
-              <a:rPr lang="en-GB" dirty="0" err="1" smtClean="0"/>
-              <a:t>f</a:t>
-            </a:r>
-            <a:r>
-              <a:rPr lang="en-GB" dirty="0" err="1" smtClean="0"/>
-              <a:t>asilitas</a:t>
-            </a:r>
-            <a:r>
-              <a:rPr lang="en-GB" dirty="0" smtClean="0"/>
+              <a:rPr lang="en-US" dirty="0" err="1" smtClean="0"/>
+              <a:t>menggunakan</a:t>
+            </a:r>
+            <a:r>
+              <a:rPr lang="en-US" dirty="0" smtClean="0"/>
               <a:t> </a:t>
             </a:r>
             <a:r>
               <a:rPr lang="en-US" dirty="0" err="1" smtClean="0"/>
-              <a:t>m</a:t>
-            </a:r>
-            <a:r>
-              <a:rPr lang="en-US" dirty="0" err="1" smtClean="0"/>
-              <a:t>enampilkan</a:t>
+              <a:t>fungsi</a:t>
             </a:r>
             <a:r>
               <a:rPr lang="en-US" dirty="0" smtClean="0"/>
               <a:t> </a:t>
             </a:r>
             <a:r>
-              <a:rPr lang="en-US" dirty="0" smtClean="0"/>
-              <a:t>form login </a:t>
-            </a:r>
-            <a:r>
-              <a:rPr lang="en-US" dirty="0" err="1" smtClean="0"/>
-              <a:t>karyawan</a:t>
-            </a:r>
-            <a:r>
-              <a:rPr lang="en-GB" dirty="0" smtClean="0"/>
+              <a:rPr lang="en-US" dirty="0" err="1" smtClean="0"/>
+              <a:t>untuk</a:t>
+            </a:r>
+            <a:r>
+              <a:rPr lang="en-US" dirty="0" smtClean="0"/>
+              <a:t> </a:t>
+            </a:r>
+            <a:r>
+              <a:rPr lang="en-US" dirty="0" err="1" smtClean="0"/>
+              <a:t>menjalankan</a:t>
+            </a:r>
+            <a:r>
+              <a:rPr lang="en-US" dirty="0" smtClean="0"/>
+              <a:t> input data </a:t>
+            </a:r>
+            <a:r>
+              <a:rPr lang="en-US" dirty="0" err="1" smtClean="0"/>
+              <a:t>dan</a:t>
+            </a:r>
+            <a:r>
+              <a:rPr lang="en-US" dirty="0" smtClean="0"/>
+              <a:t> </a:t>
+            </a:r>
+            <a:r>
+              <a:rPr lang="en-US" dirty="0" err="1" smtClean="0"/>
+              <a:t>transaksi</a:t>
+            </a:r>
+            <a:r>
+              <a:rPr lang="en-US" dirty="0" smtClean="0"/>
+              <a:t> </a:t>
+            </a:r>
+            <a:r>
+              <a:rPr lang="en-US" dirty="0" err="1" smtClean="0"/>
+              <a:t>pembelian</a:t>
+            </a:r>
+            <a:r>
+              <a:rPr lang="en-US" dirty="0" smtClean="0"/>
+              <a:t> </a:t>
+            </a:r>
+            <a:r>
+              <a:rPr lang="en-US" dirty="0" err="1" smtClean="0"/>
+              <a:t>tiket</a:t>
+            </a:r>
+            <a:r>
+              <a:rPr lang="en-US" dirty="0" smtClean="0"/>
+              <a:t>. </a:t>
+            </a:r>
+            <a:r>
+              <a:rPr lang="en-US" dirty="0" err="1" smtClean="0"/>
+              <a:t>Aplikasi</a:t>
+            </a:r>
+            <a:r>
+              <a:rPr lang="en-US" dirty="0" smtClean="0"/>
+              <a:t> </a:t>
+            </a:r>
+            <a:r>
+              <a:rPr lang="en-US" dirty="0" err="1" smtClean="0"/>
+              <a:t>ini</a:t>
+            </a:r>
+            <a:r>
+              <a:rPr lang="en-US" dirty="0" smtClean="0"/>
+              <a:t> </a:t>
+            </a:r>
+            <a:r>
+              <a:rPr lang="en-US" dirty="0" err="1" smtClean="0"/>
+              <a:t>memenuuhi</a:t>
+            </a:r>
+            <a:r>
+              <a:rPr lang="en-US" dirty="0" smtClean="0"/>
+              <a:t> </a:t>
+            </a:r>
+            <a:r>
+              <a:rPr lang="en-US" dirty="0" err="1" smtClean="0"/>
+              <a:t>standar</a:t>
+            </a:r>
+            <a:r>
+              <a:rPr lang="en-US" dirty="0" smtClean="0"/>
+              <a:t> </a:t>
+            </a:r>
+            <a:r>
+              <a:rPr lang="en-US" dirty="0" err="1" smtClean="0"/>
+              <a:t>pemograman</a:t>
+            </a:r>
+            <a:r>
+              <a:rPr lang="en-US" dirty="0" smtClean="0"/>
+              <a:t> </a:t>
+            </a:r>
+            <a:r>
+              <a:rPr lang="en-US" i="1" dirty="0" smtClean="0"/>
+              <a:t>C++ </a:t>
+            </a:r>
+            <a:r>
+              <a:rPr lang="en-US" dirty="0" smtClean="0"/>
+              <a:t>. </a:t>
+            </a:r>
+            <a:r>
+              <a:rPr lang="en-US" dirty="0" err="1" smtClean="0"/>
+              <a:t>Kekurangannya</a:t>
+            </a:r>
+            <a:r>
+              <a:rPr lang="en-US" dirty="0" smtClean="0"/>
+              <a:t> </a:t>
+            </a:r>
+            <a:r>
+              <a:rPr lang="en-US" dirty="0" err="1" smtClean="0"/>
+              <a:t>Aplikasi</a:t>
+            </a:r>
+            <a:r>
+              <a:rPr lang="en-US" dirty="0" smtClean="0"/>
+              <a:t> </a:t>
+            </a:r>
+            <a:r>
+              <a:rPr lang="en-US" dirty="0" err="1" smtClean="0"/>
+              <a:t>ini</a:t>
+            </a:r>
+            <a:r>
+              <a:rPr lang="en-US" dirty="0" smtClean="0"/>
+              <a:t> </a:t>
+            </a:r>
+            <a:r>
+              <a:rPr lang="en-US" dirty="0" err="1" smtClean="0"/>
+              <a:t>tidak</a:t>
+            </a:r>
+            <a:r>
+              <a:rPr lang="en-US" dirty="0" smtClean="0"/>
+              <a:t> </a:t>
+            </a:r>
+            <a:r>
+              <a:rPr lang="en-US" dirty="0" err="1" smtClean="0"/>
+              <a:t>bisa</a:t>
+            </a:r>
+            <a:r>
+              <a:rPr lang="en-US" dirty="0" smtClean="0"/>
+              <a:t> </a:t>
+            </a:r>
+            <a:r>
+              <a:rPr lang="en-US" dirty="0" err="1" smtClean="0"/>
+              <a:t>menampilkan</a:t>
+            </a:r>
+            <a:r>
+              <a:rPr lang="en-US" dirty="0" smtClean="0"/>
+              <a:t> </a:t>
+            </a:r>
+            <a:r>
+              <a:rPr lang="en-US" dirty="0" err="1" smtClean="0"/>
+              <a:t>jumlah</a:t>
+            </a:r>
+            <a:r>
+              <a:rPr lang="en-US" dirty="0" smtClean="0"/>
+              <a:t> </a:t>
+            </a:r>
+            <a:r>
+              <a:rPr lang="en-US" dirty="0" err="1" smtClean="0"/>
+              <a:t>tersedianya</a:t>
+            </a:r>
+            <a:r>
+              <a:rPr lang="en-US" dirty="0" smtClean="0"/>
+              <a:t> </a:t>
+            </a:r>
+            <a:r>
+              <a:rPr lang="en-US" dirty="0" err="1" smtClean="0"/>
+              <a:t>kursi</a:t>
+            </a:r>
+            <a:r>
+              <a:rPr lang="en-US" dirty="0" smtClean="0"/>
               <a:t>, </a:t>
             </a:r>
             <a:r>
               <a:rPr lang="en-US" dirty="0" err="1" smtClean="0"/>
-              <a:t>m</a:t>
-            </a:r>
-            <a:r>
-              <a:rPr lang="en-US" dirty="0" err="1" smtClean="0"/>
-              <a:t>enampilkan</a:t>
+              <a:t>posisi</a:t>
             </a:r>
             <a:r>
               <a:rPr lang="en-US" dirty="0" smtClean="0"/>
               <a:t> </a:t>
             </a:r>
             <a:r>
-              <a:rPr lang="en-US" dirty="0" smtClean="0"/>
-              <a:t>menu </a:t>
-            </a:r>
-            <a:r>
-              <a:rPr lang="en-GB" dirty="0" smtClean="0"/>
-              <a:t>, </a:t>
-            </a:r>
-            <a:r>
-              <a:rPr lang="en-US" dirty="0" err="1" smtClean="0"/>
-              <a:t>m</a:t>
-            </a:r>
-            <a:r>
-              <a:rPr lang="en-US" dirty="0" err="1" smtClean="0"/>
-              <a:t>enampilkan</a:t>
+              <a:rPr lang="en-US" dirty="0" err="1" smtClean="0"/>
+              <a:t>dan</a:t>
             </a:r>
             <a:r>
               <a:rPr lang="en-US" dirty="0" smtClean="0"/>
@@ -4659,47 +4947,15 @@
             </a:r>
             <a:r>
               <a:rPr lang="en-US" dirty="0" err="1" smtClean="0"/>
-              <a:t>daftar</a:t>
-            </a:r>
-            <a:r>
-              <a:rPr lang="en-US" dirty="0" smtClean="0"/>
-              <a:t> film </a:t>
-            </a:r>
-            <a:r>
-              <a:rPr lang="en-GB" dirty="0" smtClean="0"/>
-              <a:t>, </a:t>
-            </a:r>
-            <a:r>
-              <a:rPr lang="en-US" dirty="0" smtClean="0"/>
-              <a:t>i</a:t>
-            </a:r>
-            <a:r>
-              <a:rPr lang="en-US" dirty="0" smtClean="0"/>
-              <a:t>nput </a:t>
-            </a:r>
-            <a:r>
-              <a:rPr lang="en-US" dirty="0" smtClean="0"/>
-              <a:t>data</a:t>
-            </a:r>
-            <a:r>
-              <a:rPr lang="en-GB" dirty="0" smtClean="0"/>
-              <a:t>, </a:t>
-            </a:r>
-            <a:r>
-              <a:rPr lang="en-GB" dirty="0" err="1" smtClean="0"/>
-              <a:t>dan</a:t>
-            </a:r>
-            <a:r>
-              <a:rPr lang="en-GB" dirty="0" smtClean="0"/>
+              <a:t>jumlah</a:t>
+            </a:r>
+            <a:r>
+              <a:rPr lang="en-US" dirty="0" smtClean="0"/>
               <a:t> </a:t>
             </a:r>
             <a:r>
               <a:rPr lang="en-US" dirty="0" err="1" smtClean="0"/>
-              <a:t>m</a:t>
-            </a:r>
-            <a:r>
-              <a:rPr lang="en-US" dirty="0" err="1" smtClean="0"/>
-              <a:t>enampilkan</a:t>
+              <a:t>terbelinya</a:t>
             </a:r>
             <a:r>
               <a:rPr lang="en-US" dirty="0" smtClean="0"/>
@@ -4707,131 +4963,7 @@
             </a:r>
             <a:r>
               <a:rPr lang="en-US" dirty="0" err="1" smtClean="0"/>
-              <a:t>hasil</a:t>
-            </a:r>
-            <a:r>
-              <a:rPr lang="en-US" dirty="0" smtClean="0"/>
-              <a:t> </a:t>
-            </a:r>
-            <a:r>
-              <a:rPr lang="en-US" dirty="0" err="1" smtClean="0"/>
-              <a:t>transaksi</a:t>
-            </a:r>
-            <a:r>
-              <a:rPr lang="en-US" dirty="0" smtClean="0"/>
-              <a:t> </a:t>
-            </a:r>
-            <a:r>
-              <a:rPr lang="en-US" dirty="0" err="1" smtClean="0"/>
-              <a:t>dengan</a:t>
-            </a:r>
-            <a:r>
-              <a:rPr lang="en-US" dirty="0" smtClean="0"/>
-              <a:t> </a:t>
-            </a:r>
-            <a:r>
-              <a:rPr lang="en-US" dirty="0" err="1" smtClean="0"/>
-              <a:t>p</a:t>
-            </a:r>
-            <a:r>
-              <a:rPr lang="en-US" dirty="0" err="1" smtClean="0"/>
-              <a:t>enggunaan</a:t>
-            </a:r>
-            <a:r>
-              <a:rPr lang="en-US" dirty="0" smtClean="0"/>
-              <a:t> </a:t>
-            </a:r>
-            <a:r>
-              <a:rPr lang="en-US" dirty="0" smtClean="0"/>
-              <a:t>sub </a:t>
-            </a:r>
-            <a:r>
-              <a:rPr lang="en-US" i="1" dirty="0" smtClean="0"/>
-              <a:t>program (</a:t>
-            </a:r>
-            <a:r>
-              <a:rPr lang="en-US" i="1" dirty="0" smtClean="0"/>
-              <a:t>procedure &amp; function) </a:t>
-            </a:r>
-            <a:r>
-              <a:rPr lang="en-US" dirty="0" err="1" smtClean="0"/>
-              <a:t>pada</a:t>
-            </a:r>
-            <a:r>
-              <a:rPr lang="en-US" dirty="0" smtClean="0"/>
-              <a:t> </a:t>
-            </a:r>
-            <a:r>
-              <a:rPr lang="en-US" dirty="0" err="1" smtClean="0"/>
-              <a:t>setiap</a:t>
-            </a:r>
-            <a:r>
-              <a:rPr lang="en-US" dirty="0" smtClean="0"/>
-              <a:t> </a:t>
-            </a:r>
-            <a:r>
-              <a:rPr lang="en-US" dirty="0" err="1" smtClean="0"/>
-              <a:t>bagian</a:t>
-            </a:r>
-            <a:r>
-              <a:rPr lang="en-US" dirty="0" smtClean="0"/>
-              <a:t> source code </a:t>
-            </a:r>
-            <a:r>
-              <a:rPr lang="en-US" dirty="0" err="1" smtClean="0"/>
-              <a:t>dan</a:t>
-            </a:r>
-            <a:r>
-              <a:rPr lang="en-US" dirty="0" smtClean="0"/>
-              <a:t> </a:t>
-            </a:r>
-            <a:r>
-              <a:rPr lang="en-US" dirty="0" err="1" smtClean="0"/>
-              <a:t>penggunaan</a:t>
-            </a:r>
-            <a:r>
-              <a:rPr lang="en-US" i="1" dirty="0" smtClean="0"/>
-              <a:t> </a:t>
-            </a:r>
-            <a:r>
-              <a:rPr lang="en-US" i="1" dirty="0" smtClean="0"/>
-              <a:t>decision</a:t>
-            </a:r>
-            <a:r>
-              <a:rPr lang="en-US" dirty="0" smtClean="0"/>
-              <a:t> </a:t>
-            </a:r>
-            <a:r>
-              <a:rPr lang="en-US" dirty="0" err="1" smtClean="0"/>
-              <a:t>dan</a:t>
-            </a:r>
-            <a:r>
-              <a:rPr lang="en-US" dirty="0" smtClean="0"/>
-              <a:t> </a:t>
-            </a:r>
-            <a:r>
-              <a:rPr lang="en-US" i="1" dirty="0" smtClean="0"/>
-              <a:t>looping </a:t>
-            </a:r>
-            <a:r>
-              <a:rPr lang="en-US" dirty="0" err="1" smtClean="0"/>
-              <a:t>pada</a:t>
-            </a:r>
-            <a:r>
-              <a:rPr lang="en-US" dirty="0" smtClean="0"/>
-              <a:t> </a:t>
-            </a:r>
-            <a:r>
-              <a:rPr lang="en-US" dirty="0" err="1" smtClean="0"/>
-              <a:t>bagian</a:t>
-            </a:r>
-            <a:r>
-              <a:rPr lang="en-US" dirty="0" smtClean="0"/>
-              <a:t> </a:t>
-            </a:r>
-            <a:r>
-              <a:rPr lang="en-US" dirty="0" err="1" smtClean="0"/>
-              <a:t>penyeleksian</a:t>
+              <a:t>kursi</a:t>
             </a:r>
             <a:r>
               <a:rPr lang="en-US" dirty="0" smtClean="0"/>
